--- a/spring13/slides13/scheduling.pptx
+++ b/spring13/slides13/scheduling.pptx
@@ -228,7 +228,7 @@
             <a:fld id="{7E67CB53-8D3C-47BE-A7FA-F662C961B657}" type="datetimeFigureOut">
               <a:rPr lang="en-US" smtClean="0"/>
               <a:pPr/>
-              <a:t>3/14/13</a:t>
+              <a:t>3/18/13</a:t>
             </a:fld>
             <a:endParaRPr lang="en-US"/>
           </a:p>
@@ -395,7 +395,7 @@
             <a:fld id="{EFF6E4C5-D825-46D1-9B47-4B12017997CB}" type="datetimeFigureOut">
               <a:rPr lang="en-US" smtClean="0"/>
               <a:pPr/>
-              <a:t>3/14/13</a:t>
+              <a:t>3/18/13</a:t>
             </a:fld>
             <a:endParaRPr lang="en-US"/>
           </a:p>
@@ -3656,13 +3656,13 @@
   <p:clrMapOvr>
     <a:masterClrMapping/>
   </p:clrMapOvr>
-  <mc:AlternateContent xmlns:mc="http://schemas.openxmlformats.org/markup-compatibility/2006">
-    <mc:Choice xmlns:p14="http://schemas.microsoft.com/office/powerpoint/2010/main" Requires="p14">
+  <mc:AlternateContent xmlns:mc="http://schemas.openxmlformats.org/markup-compatibility/2006" xmlns:p14="http://schemas.microsoft.com/office/powerpoint/2010/main">
+    <mc:Choice Requires="p14">
       <p:transition spd="med" p14:dur="700" advClick="0">
         <p:fade/>
       </p:transition>
     </mc:Choice>
-    <mc:Fallback>
+    <mc:Fallback xmlns="">
       <p:transition xmlns:p14="http://schemas.microsoft.com/office/powerpoint/2010/main" spd="med" advClick="0">
         <p:fade/>
       </p:transition>
@@ -3810,13 +3810,13 @@
   <p:clrMapOvr>
     <a:masterClrMapping/>
   </p:clrMapOvr>
-  <mc:AlternateContent xmlns:mc="http://schemas.openxmlformats.org/markup-compatibility/2006">
-    <mc:Choice xmlns:p14="http://schemas.microsoft.com/office/powerpoint/2010/main" Requires="p14">
+  <mc:AlternateContent xmlns:mc="http://schemas.openxmlformats.org/markup-compatibility/2006" xmlns:p14="http://schemas.microsoft.com/office/powerpoint/2010/main">
+    <mc:Choice Requires="p14">
       <p:transition spd="med" p14:dur="700" advClick="0">
         <p:fade/>
       </p:transition>
     </mc:Choice>
-    <mc:Fallback>
+    <mc:Fallback xmlns="">
       <p:transition xmlns:p14="http://schemas.microsoft.com/office/powerpoint/2010/main" spd="med" advClick="0">
         <p:fade/>
       </p:transition>
@@ -4047,13 +4047,13 @@
   <p:clrMapOvr>
     <a:masterClrMapping/>
   </p:clrMapOvr>
-  <mc:AlternateContent xmlns:mc="http://schemas.openxmlformats.org/markup-compatibility/2006">
-    <mc:Choice xmlns:p14="http://schemas.microsoft.com/office/powerpoint/2010/main" Requires="p14">
+  <mc:AlternateContent xmlns:mc="http://schemas.openxmlformats.org/markup-compatibility/2006" xmlns:p14="http://schemas.microsoft.com/office/powerpoint/2010/main">
+    <mc:Choice Requires="p14">
       <p:transition spd="med" p14:dur="700" advClick="0">
         <p:fade/>
       </p:transition>
     </mc:Choice>
-    <mc:Fallback>
+    <mc:Fallback xmlns="">
       <p:transition xmlns:p14="http://schemas.microsoft.com/office/powerpoint/2010/main" spd="med" advClick="0">
         <p:fade/>
       </p:transition>
@@ -4153,13 +4153,13 @@
   <p:clrMapOvr>
     <a:masterClrMapping/>
   </p:clrMapOvr>
-  <mc:AlternateContent xmlns:mc="http://schemas.openxmlformats.org/markup-compatibility/2006">
-    <mc:Choice xmlns:p14="http://schemas.microsoft.com/office/powerpoint/2010/main" Requires="p14">
+  <mc:AlternateContent xmlns:mc="http://schemas.openxmlformats.org/markup-compatibility/2006" xmlns:p14="http://schemas.microsoft.com/office/powerpoint/2010/main">
+    <mc:Choice Requires="p14">
       <p:transition spd="med" p14:dur="700" advClick="0">
         <p:fade/>
       </p:transition>
     </mc:Choice>
-    <mc:Fallback>
+    <mc:Fallback xmlns="">
       <p:transition xmlns:p14="http://schemas.microsoft.com/office/powerpoint/2010/main" spd="med" advClick="0">
         <p:fade/>
       </p:transition>
@@ -4232,13 +4232,13 @@
   <p:clrMapOvr>
     <a:masterClrMapping/>
   </p:clrMapOvr>
-  <mc:AlternateContent xmlns:mc="http://schemas.openxmlformats.org/markup-compatibility/2006">
-    <mc:Choice xmlns:p14="http://schemas.microsoft.com/office/powerpoint/2010/main" Requires="p14">
+  <mc:AlternateContent xmlns:mc="http://schemas.openxmlformats.org/markup-compatibility/2006" xmlns:p14="http://schemas.microsoft.com/office/powerpoint/2010/main">
+    <mc:Choice Requires="p14">
       <p:transition spd="med" p14:dur="700" advClick="0">
         <p:fade/>
       </p:transition>
     </mc:Choice>
-    <mc:Fallback>
+    <mc:Fallback xmlns="">
       <p:transition xmlns:p14="http://schemas.microsoft.com/office/powerpoint/2010/main" spd="med" advClick="0">
         <p:fade/>
       </p:transition>
@@ -4469,13 +4469,13 @@
   <p:clrMapOvr>
     <a:masterClrMapping/>
   </p:clrMapOvr>
-  <mc:AlternateContent xmlns:mc="http://schemas.openxmlformats.org/markup-compatibility/2006">
-    <mc:Choice xmlns:p14="http://schemas.microsoft.com/office/powerpoint/2010/main" Requires="p14">
+  <mc:AlternateContent xmlns:mc="http://schemas.openxmlformats.org/markup-compatibility/2006" xmlns:p14="http://schemas.microsoft.com/office/powerpoint/2010/main">
+    <mc:Choice Requires="p14">
       <p:transition spd="med" p14:dur="700" advClick="0">
         <p:fade/>
       </p:transition>
     </mc:Choice>
-    <mc:Fallback>
+    <mc:Fallback xmlns="">
       <p:transition xmlns:p14="http://schemas.microsoft.com/office/powerpoint/2010/main" spd="med" advClick="0">
         <p:fade/>
       </p:transition>
@@ -4872,13 +4872,13 @@
     <p:sldLayoutId id="2147483655" r:id="rId5"/>
     <p:sldLayoutId id="2147483657" r:id="rId6"/>
   </p:sldLayoutIdLst>
-  <mc:AlternateContent xmlns:mc="http://schemas.openxmlformats.org/markup-compatibility/2006">
-    <mc:Choice xmlns:p14="http://schemas.microsoft.com/office/powerpoint/2010/main" Requires="p14">
+  <mc:AlternateContent xmlns:mc="http://schemas.openxmlformats.org/markup-compatibility/2006" xmlns:p14="http://schemas.microsoft.com/office/powerpoint/2010/main">
+    <mc:Choice Requires="p14">
       <p:transition spd="med" p14:dur="700" advClick="0">
         <p:fade/>
       </p:transition>
     </mc:Choice>
-    <mc:Fallback>
+    <mc:Fallback xmlns="">
       <p:transition xmlns:p14="http://schemas.microsoft.com/office/powerpoint/2010/main" spd="med" advClick="0">
         <p:fade/>
       </p:transition>
@@ -5366,11 +5366,11 @@
   <p:clrMapOvr>
     <a:masterClrMapping/>
   </p:clrMapOvr>
-  <mc:AlternateContent xmlns:mc="http://schemas.openxmlformats.org/markup-compatibility/2006">
-    <mc:Choice xmlns:p14="http://schemas.microsoft.com/office/powerpoint/2010/main" Requires="p14">
+  <mc:AlternateContent xmlns:mc="http://schemas.openxmlformats.org/markup-compatibility/2006" xmlns:p14="http://schemas.microsoft.com/office/powerpoint/2010/main">
+    <mc:Choice Requires="p14">
       <p:transition p14:dur="0" advClick="0"/>
     </mc:Choice>
-    <mc:Fallback>
+    <mc:Fallback xmlns="">
       <p:transition xmlns:p14="http://schemas.microsoft.com/office/powerpoint/2010/main" advClick="0"/>
     </mc:Fallback>
   </mc:AlternateContent>
@@ -5683,13 +5683,13 @@
   <p:clrMapOvr>
     <a:masterClrMapping/>
   </p:clrMapOvr>
-  <mc:AlternateContent xmlns:mc="http://schemas.openxmlformats.org/markup-compatibility/2006">
-    <mc:Choice xmlns:p14="http://schemas.microsoft.com/office/powerpoint/2010/main" Requires="p14">
+  <mc:AlternateContent xmlns:mc="http://schemas.openxmlformats.org/markup-compatibility/2006" xmlns:p14="http://schemas.microsoft.com/office/powerpoint/2010/main">
+    <mc:Choice Requires="p14">
       <p:transition spd="med" p14:dur="700" advClick="0">
         <p:fade/>
       </p:transition>
     </mc:Choice>
-    <mc:Fallback>
+    <mc:Fallback xmlns="">
       <p:transition xmlns:p14="http://schemas.microsoft.com/office/powerpoint/2010/main" spd="med" advClick="0">
         <p:fade/>
       </p:transition>
@@ -6912,13 +6912,7 @@
               <a:rPr lang="en-US" sz="3600" dirty="0" smtClean="0">
                 <a:latin typeface="Comic Sans MS" pitchFamily="66" charset="0"/>
               </a:rPr>
-              <a:t>            </a:t>
-            </a:r>
-            <a:r>
-              <a:rPr lang="en-US" sz="3600" dirty="0" smtClean="0">
-                <a:latin typeface="Comic Sans MS" pitchFamily="66" charset="0"/>
-              </a:rPr>
-              <a:t>        </a:t>
+              <a:t>                    </a:t>
             </a:r>
             <a:r>
               <a:rPr lang="en-US" sz="3600" dirty="0" smtClean="0">
@@ -7006,14 +7000,7 @@
                 <a:latin typeface="Comic Sans MS" pitchFamily="66" charset="0"/>
                 <a:cs typeface="Times New Roman" pitchFamily="18" charset="0"/>
               </a:rPr>
-              <a:t>          </a:t>
-            </a:r>
-            <a:r>
-              <a:rPr lang="en-US" sz="3600" dirty="0" smtClean="0">
-                <a:latin typeface="Comic Sans MS" pitchFamily="66" charset="0"/>
-                <a:cs typeface="Times New Roman" pitchFamily="18" charset="0"/>
-              </a:rPr>
-              <a:t>6.004 </a:t>
+              <a:t>          6.004 </a:t>
             </a:r>
             <a:r>
               <a:rPr lang="en-US" sz="3600" dirty="0">
@@ -7227,13 +7214,13 @@
   <p:clrMapOvr>
     <a:masterClrMapping/>
   </p:clrMapOvr>
-  <mc:AlternateContent xmlns:mc="http://schemas.openxmlformats.org/markup-compatibility/2006">
-    <mc:Choice xmlns:p14="http://schemas.microsoft.com/office/powerpoint/2010/main" Requires="p14">
+  <mc:AlternateContent xmlns:mc="http://schemas.openxmlformats.org/markup-compatibility/2006" xmlns:p14="http://schemas.microsoft.com/office/powerpoint/2010/main">
+    <mc:Choice Requires="p14">
       <p:transition spd="med" p14:dur="700" advClick="0">
         <p:fade/>
       </p:transition>
     </mc:Choice>
-    <mc:Fallback>
+    <mc:Fallback xmlns="">
       <p:transition xmlns:p14="http://schemas.microsoft.com/office/powerpoint/2010/main" spd="med" advClick="0">
         <p:fade/>
       </p:transition>
@@ -10513,13 +10500,7 @@
               <a:rPr lang="en-US" sz="3600" dirty="0" smtClean="0">
                 <a:latin typeface="Comic Sans MS" pitchFamily="66" charset="0"/>
               </a:rPr>
-              <a:t>            </a:t>
-            </a:r>
-            <a:r>
-              <a:rPr lang="en-US" sz="3600" dirty="0" smtClean="0">
-                <a:latin typeface="Comic Sans MS" pitchFamily="66" charset="0"/>
-              </a:rPr>
-              <a:t>        </a:t>
+              <a:t>                    </a:t>
             </a:r>
             <a:r>
               <a:rPr lang="en-US" sz="3600" dirty="0" smtClean="0">
@@ -10607,14 +10588,7 @@
                 <a:latin typeface="Comic Sans MS" pitchFamily="66" charset="0"/>
                 <a:cs typeface="Times New Roman" pitchFamily="18" charset="0"/>
               </a:rPr>
-              <a:t>          </a:t>
-            </a:r>
-            <a:r>
-              <a:rPr lang="en-US" sz="3600" dirty="0" smtClean="0">
-                <a:latin typeface="Comic Sans MS" pitchFamily="66" charset="0"/>
-                <a:cs typeface="Times New Roman" pitchFamily="18" charset="0"/>
-              </a:rPr>
-              <a:t>6.004 </a:t>
+              <a:t>          6.004 </a:t>
             </a:r>
             <a:r>
               <a:rPr lang="en-US" sz="3600" dirty="0">
@@ -11063,13 +11037,13 @@
   <p:clrMapOvr>
     <a:masterClrMapping/>
   </p:clrMapOvr>
-  <mc:AlternateContent xmlns:mc="http://schemas.openxmlformats.org/markup-compatibility/2006">
-    <mc:Choice xmlns:p14="http://schemas.microsoft.com/office/powerpoint/2010/main" Requires="p14">
+  <mc:AlternateContent xmlns:mc="http://schemas.openxmlformats.org/markup-compatibility/2006" xmlns:p14="http://schemas.microsoft.com/office/powerpoint/2010/main">
+    <mc:Choice Requires="p14">
       <p:transition spd="slow" p14:dur="900" advClick="0">
         <p:fade/>
       </p:transition>
     </mc:Choice>
-    <mc:Fallback>
+    <mc:Fallback xmlns="">
       <p:transition xmlns:p14="http://schemas.microsoft.com/office/powerpoint/2010/main" spd="slow" advClick="0">
         <p:fade/>
       </p:transition>
@@ -11841,13 +11815,13 @@
   <p:clrMapOvr>
     <a:masterClrMapping/>
   </p:clrMapOvr>
-  <mc:AlternateContent xmlns:mc="http://schemas.openxmlformats.org/markup-compatibility/2006">
-    <mc:Choice xmlns:p14="http://schemas.microsoft.com/office/powerpoint/2010/main" Requires="p14">
+  <mc:AlternateContent xmlns:mc="http://schemas.openxmlformats.org/markup-compatibility/2006" xmlns:p14="http://schemas.microsoft.com/office/powerpoint/2010/main">
+    <mc:Choice Requires="p14">
       <p:transition spd="med" p14:dur="700" advClick="0">
         <p:fade/>
       </p:transition>
     </mc:Choice>
-    <mc:Fallback>
+    <mc:Fallback xmlns="">
       <p:transition xmlns:p14="http://schemas.microsoft.com/office/powerpoint/2010/main" spd="med" advClick="0">
         <p:fade/>
       </p:transition>
@@ -12730,13 +12704,13 @@
   <p:clrMapOvr>
     <a:masterClrMapping/>
   </p:clrMapOvr>
-  <mc:AlternateContent xmlns:mc="http://schemas.openxmlformats.org/markup-compatibility/2006">
-    <mc:Choice xmlns:p14="http://schemas.microsoft.com/office/powerpoint/2010/main" Requires="p14">
+  <mc:AlternateContent xmlns:mc="http://schemas.openxmlformats.org/markup-compatibility/2006" xmlns:p14="http://schemas.microsoft.com/office/powerpoint/2010/main">
+    <mc:Choice Requires="p14">
       <p:transition spd="med" p14:dur="700" advClick="0">
         <p:fade/>
       </p:transition>
     </mc:Choice>
-    <mc:Fallback>
+    <mc:Fallback xmlns="">
       <p:transition xmlns:p14="http://schemas.microsoft.com/office/powerpoint/2010/main" spd="med" advClick="0">
         <p:fade/>
       </p:transition>
@@ -13809,13 +13783,13 @@
   <p:clrMapOvr>
     <a:masterClrMapping/>
   </p:clrMapOvr>
-  <mc:AlternateContent xmlns:mc="http://schemas.openxmlformats.org/markup-compatibility/2006">
-    <mc:Choice xmlns:p14="http://schemas.microsoft.com/office/powerpoint/2010/main" Requires="p14">
+  <mc:AlternateContent xmlns:mc="http://schemas.openxmlformats.org/markup-compatibility/2006" xmlns:p14="http://schemas.microsoft.com/office/powerpoint/2010/main">
+    <mc:Choice Requires="p14">
       <p:transition spd="med" p14:dur="700" advClick="0">
         <p:fade/>
       </p:transition>
     </mc:Choice>
-    <mc:Fallback>
+    <mc:Fallback xmlns="">
       <p:transition xmlns:p14="http://schemas.microsoft.com/office/powerpoint/2010/main" spd="med" advClick="0">
         <p:fade/>
       </p:transition>
@@ -14275,13 +14249,13 @@
   <p:clrMapOvr>
     <a:masterClrMapping/>
   </p:clrMapOvr>
-  <mc:AlternateContent xmlns:mc="http://schemas.openxmlformats.org/markup-compatibility/2006">
-    <mc:Choice xmlns:p14="http://schemas.microsoft.com/office/powerpoint/2010/main" Requires="p14">
+  <mc:AlternateContent xmlns:mc="http://schemas.openxmlformats.org/markup-compatibility/2006" xmlns:p14="http://schemas.microsoft.com/office/powerpoint/2010/main">
+    <mc:Choice Requires="p14">
       <p:transition spd="med" p14:dur="700" advClick="0">
         <p:fade/>
       </p:transition>
     </mc:Choice>
-    <mc:Fallback>
+    <mc:Fallback xmlns="">
       <p:transition xmlns:p14="http://schemas.microsoft.com/office/powerpoint/2010/main" spd="med" advClick="0">
         <p:fade/>
       </p:transition>
@@ -15441,13 +15415,13 @@
   <p:clrMapOvr>
     <a:masterClrMapping/>
   </p:clrMapOvr>
-  <mc:AlternateContent xmlns:mc="http://schemas.openxmlformats.org/markup-compatibility/2006">
-    <mc:Choice xmlns:p14="http://schemas.microsoft.com/office/powerpoint/2010/main" Requires="p14">
+  <mc:AlternateContent xmlns:mc="http://schemas.openxmlformats.org/markup-compatibility/2006" xmlns:p14="http://schemas.microsoft.com/office/powerpoint/2010/main">
+    <mc:Choice Requires="p14">
       <p:transition spd="med" p14:dur="700" advClick="0">
         <p:fade/>
       </p:transition>
     </mc:Choice>
-    <mc:Fallback>
+    <mc:Fallback xmlns="">
       <p:transition xmlns:p14="http://schemas.microsoft.com/office/powerpoint/2010/main" spd="med" advClick="0">
         <p:fade/>
       </p:transition>
@@ -17902,13 +17876,13 @@
   <p:clrMapOvr>
     <a:masterClrMapping/>
   </p:clrMapOvr>
-  <mc:AlternateContent xmlns:mc="http://schemas.openxmlformats.org/markup-compatibility/2006">
-    <mc:Choice xmlns:p14="http://schemas.microsoft.com/office/powerpoint/2010/main" Requires="p14">
+  <mc:AlternateContent xmlns:mc="http://schemas.openxmlformats.org/markup-compatibility/2006" xmlns:p14="http://schemas.microsoft.com/office/powerpoint/2010/main">
+    <mc:Choice Requires="p14">
       <p:transition spd="med" p14:dur="700" advClick="0">
         <p:fade/>
       </p:transition>
     </mc:Choice>
-    <mc:Fallback>
+    <mc:Fallback xmlns="">
       <p:transition xmlns:p14="http://schemas.microsoft.com/office/powerpoint/2010/main" spd="med" advClick="0">
         <p:fade/>
       </p:transition>
@@ -19034,13 +19008,13 @@
   <p:clrMapOvr>
     <a:masterClrMapping/>
   </p:clrMapOvr>
-  <mc:AlternateContent xmlns:mc="http://schemas.openxmlformats.org/markup-compatibility/2006">
-    <mc:Choice xmlns:p14="http://schemas.microsoft.com/office/powerpoint/2010/main" Requires="p14">
+  <mc:AlternateContent xmlns:mc="http://schemas.openxmlformats.org/markup-compatibility/2006" xmlns:p14="http://schemas.microsoft.com/office/powerpoint/2010/main">
+    <mc:Choice Requires="p14">
       <p:transition spd="med" p14:dur="700" advClick="0">
         <p:fade/>
       </p:transition>
     </mc:Choice>
-    <mc:Fallback>
+    <mc:Fallback xmlns="">
       <p:transition xmlns:p14="http://schemas.microsoft.com/office/powerpoint/2010/main" spd="med" advClick="0">
         <p:fade/>
       </p:transition>
@@ -19534,13 +19508,13 @@
   <p:clrMapOvr>
     <a:masterClrMapping/>
   </p:clrMapOvr>
-  <mc:AlternateContent xmlns:mc="http://schemas.openxmlformats.org/markup-compatibility/2006">
-    <mc:Choice xmlns:p14="http://schemas.microsoft.com/office/powerpoint/2010/main" Requires="p14">
+  <mc:AlternateContent xmlns:mc="http://schemas.openxmlformats.org/markup-compatibility/2006" xmlns:p14="http://schemas.microsoft.com/office/powerpoint/2010/main">
+    <mc:Choice Requires="p14">
       <p:transition spd="med" p14:dur="700" advClick="0">
         <p:fade/>
       </p:transition>
     </mc:Choice>
-    <mc:Fallback>
+    <mc:Fallback xmlns="">
       <p:transition xmlns:p14="http://schemas.microsoft.com/office/powerpoint/2010/main" spd="med" advClick="0">
         <p:fade/>
       </p:transition>
@@ -20938,13 +20912,13 @@
   <p:clrMapOvr>
     <a:masterClrMapping/>
   </p:clrMapOvr>
-  <mc:AlternateContent xmlns:mc="http://schemas.openxmlformats.org/markup-compatibility/2006">
-    <mc:Choice xmlns:p14="http://schemas.microsoft.com/office/powerpoint/2010/main" Requires="p14">
+  <mc:AlternateContent xmlns:mc="http://schemas.openxmlformats.org/markup-compatibility/2006" xmlns:p14="http://schemas.microsoft.com/office/powerpoint/2010/main">
+    <mc:Choice Requires="p14">
       <p:transition spd="med" p14:dur="700" advClick="0">
         <p:fade/>
       </p:transition>
     </mc:Choice>
-    <mc:Fallback>
+    <mc:Fallback xmlns="">
       <p:transition xmlns:p14="http://schemas.microsoft.com/office/powerpoint/2010/main" spd="med" advClick="0">
         <p:fade/>
       </p:transition>
@@ -21485,7 +21459,7 @@
           <a:graphicData uri="http://schemas.openxmlformats.org/presentationml/2006/ole">
             <mc:AlternateContent xmlns:mc="http://schemas.openxmlformats.org/markup-compatibility/2006">
               <mc:Choice xmlns:v="urn:schemas-microsoft-com:vml" Requires="v">
-                <p:oleObj spid="_x0000_s103521" name="Equation" r:id="rId4" imgW="76200" imgH="165100" progId="Equation.DSMT4">
+                <p:oleObj spid="_x0000_s103524" name="Equation" r:id="rId4" imgW="76200" imgH="165100" progId="Equation.DSMT4">
                   <p:embed/>
                 </p:oleObj>
               </mc:Choice>
@@ -21555,7 +21529,7 @@
           <a:graphicData uri="http://schemas.openxmlformats.org/presentationml/2006/ole">
             <mc:AlternateContent xmlns:mc="http://schemas.openxmlformats.org/markup-compatibility/2006">
               <mc:Choice xmlns:v="urn:schemas-microsoft-com:vml" Requires="v">
-                <p:oleObj spid="_x0000_s103522" name="Equation" r:id="rId6" imgW="76200" imgH="165100" progId="Equation.DSMT4">
+                <p:oleObj spid="_x0000_s103525" name="Equation" r:id="rId6" imgW="76200" imgH="165100" progId="Equation.DSMT4">
                   <p:embed/>
                 </p:oleObj>
               </mc:Choice>
@@ -21760,13 +21734,13 @@
   <p:clrMapOvr>
     <a:masterClrMapping/>
   </p:clrMapOvr>
-  <mc:AlternateContent xmlns:mc="http://schemas.openxmlformats.org/markup-compatibility/2006">
-    <mc:Choice xmlns:p14="http://schemas.microsoft.com/office/powerpoint/2010/main" Requires="p14">
+  <mc:AlternateContent xmlns:mc="http://schemas.openxmlformats.org/markup-compatibility/2006" xmlns:p14="http://schemas.microsoft.com/office/powerpoint/2010/main">
+    <mc:Choice Requires="p14">
       <p:transition spd="med" p14:dur="700" advClick="0">
         <p:fade/>
       </p:transition>
     </mc:Choice>
-    <mc:Fallback>
+    <mc:Fallback xmlns="">
       <p:transition xmlns:p14="http://schemas.microsoft.com/office/powerpoint/2010/main" spd="med" advClick="0">
         <p:fade/>
       </p:transition>
@@ -22152,7 +22126,7 @@
             <a:graphicData uri="http://schemas.openxmlformats.org/presentationml/2006/ole">
               <mc:AlternateContent xmlns:mc="http://schemas.openxmlformats.org/markup-compatibility/2006">
                 <mc:Choice xmlns:v="urn:schemas-microsoft-com:vml" Requires="v">
-                  <p:oleObj spid="_x0000_s1066" name="Equation" r:id="rId4" imgW="215900" imgH="990600" progId="Equation.DSMT4">
+                  <p:oleObj spid="_x0000_s1068" name="Equation" r:id="rId4" imgW="215900" imgH="990600" progId="Equation.DSMT4">
                     <p:embed/>
                   </p:oleObj>
                 </mc:Choice>
@@ -22259,13 +22233,13 @@
   <p:clrMapOvr>
     <a:masterClrMapping/>
   </p:clrMapOvr>
-  <mc:AlternateContent xmlns:mc="http://schemas.openxmlformats.org/markup-compatibility/2006">
-    <mc:Choice xmlns:p14="http://schemas.microsoft.com/office/powerpoint/2010/main" Requires="p14">
+  <mc:AlternateContent xmlns:mc="http://schemas.openxmlformats.org/markup-compatibility/2006" xmlns:p14="http://schemas.microsoft.com/office/powerpoint/2010/main">
+    <mc:Choice Requires="p14">
       <p:transition spd="med" p14:dur="700" advClick="0">
         <p:fade/>
       </p:transition>
     </mc:Choice>
-    <mc:Fallback>
+    <mc:Fallback xmlns="">
       <p:transition xmlns:p14="http://schemas.microsoft.com/office/powerpoint/2010/main" spd="med" advClick="0">
         <p:fade/>
       </p:transition>
@@ -23458,13 +23432,13 @@
   <p:clrMapOvr>
     <a:masterClrMapping/>
   </p:clrMapOvr>
-  <mc:AlternateContent xmlns:mc="http://schemas.openxmlformats.org/markup-compatibility/2006">
-    <mc:Choice xmlns:p14="http://schemas.microsoft.com/office/powerpoint/2010/main" Requires="p14">
+  <mc:AlternateContent xmlns:mc="http://schemas.openxmlformats.org/markup-compatibility/2006" xmlns:p14="http://schemas.microsoft.com/office/powerpoint/2010/main">
+    <mc:Choice Requires="p14">
       <p:transition spd="med" p14:dur="700" advClick="0">
         <p:fade/>
       </p:transition>
     </mc:Choice>
-    <mc:Fallback>
+    <mc:Fallback xmlns="">
       <p:transition xmlns:p14="http://schemas.microsoft.com/office/powerpoint/2010/main" spd="med" advClick="0">
         <p:fade/>
       </p:transition>
@@ -23839,13 +23813,13 @@
   <p:clrMapOvr>
     <a:masterClrMapping/>
   </p:clrMapOvr>
-  <mc:AlternateContent xmlns:mc="http://schemas.openxmlformats.org/markup-compatibility/2006">
-    <mc:Choice xmlns:p14="http://schemas.microsoft.com/office/powerpoint/2010/main" Requires="p14">
+  <mc:AlternateContent xmlns:mc="http://schemas.openxmlformats.org/markup-compatibility/2006" xmlns:p14="http://schemas.microsoft.com/office/powerpoint/2010/main">
+    <mc:Choice Requires="p14">
       <p:transition spd="med" p14:dur="700" advClick="0">
         <p:fade/>
       </p:transition>
     </mc:Choice>
-    <mc:Fallback>
+    <mc:Fallback xmlns="">
       <p:transition xmlns:p14="http://schemas.microsoft.com/office/powerpoint/2010/main" spd="med" advClick="0">
         <p:fade/>
       </p:transition>
@@ -25896,13 +25870,13 @@
   <p:clrMapOvr>
     <a:masterClrMapping/>
   </p:clrMapOvr>
-  <mc:AlternateContent xmlns:mc="http://schemas.openxmlformats.org/markup-compatibility/2006">
-    <mc:Choice xmlns:p14="http://schemas.microsoft.com/office/powerpoint/2010/main" Requires="p14">
+  <mc:AlternateContent xmlns:mc="http://schemas.openxmlformats.org/markup-compatibility/2006" xmlns:p14="http://schemas.microsoft.com/office/powerpoint/2010/main">
+    <mc:Choice Requires="p14">
       <p:transition spd="med" p14:dur="700" advClick="0">
         <p:fade/>
       </p:transition>
     </mc:Choice>
-    <mc:Fallback>
+    <mc:Fallback xmlns="">
       <p:transition xmlns:p14="http://schemas.microsoft.com/office/powerpoint/2010/main" spd="med" advClick="0">
         <p:fade/>
       </p:transition>
@@ -27533,13 +27507,13 @@
   <p:clrMapOvr>
     <a:masterClrMapping/>
   </p:clrMapOvr>
-  <mc:AlternateContent xmlns:mc="http://schemas.openxmlformats.org/markup-compatibility/2006">
-    <mc:Choice xmlns:p14="http://schemas.microsoft.com/office/powerpoint/2010/main" Requires="p14">
+  <mc:AlternateContent xmlns:mc="http://schemas.openxmlformats.org/markup-compatibility/2006" xmlns:p14="http://schemas.microsoft.com/office/powerpoint/2010/main">
+    <mc:Choice Requires="p14">
       <p:transition spd="med" p14:dur="700" advClick="0">
         <p:fade/>
       </p:transition>
     </mc:Choice>
-    <mc:Fallback>
+    <mc:Fallback xmlns="">
       <p:transition xmlns:p14="http://schemas.microsoft.com/office/powerpoint/2010/main" spd="med" advClick="0">
         <p:fade/>
       </p:transition>
@@ -29127,13 +29101,13 @@
   <p:clrMapOvr>
     <a:masterClrMapping/>
   </p:clrMapOvr>
-  <mc:AlternateContent xmlns:mc="http://schemas.openxmlformats.org/markup-compatibility/2006">
-    <mc:Choice xmlns:p14="http://schemas.microsoft.com/office/powerpoint/2010/main" Requires="p14">
+  <mc:AlternateContent xmlns:mc="http://schemas.openxmlformats.org/markup-compatibility/2006" xmlns:p14="http://schemas.microsoft.com/office/powerpoint/2010/main">
+    <mc:Choice Requires="p14">
       <p:transition spd="med" p14:dur="700" advClick="0">
         <p:fade/>
       </p:transition>
     </mc:Choice>
-    <mc:Fallback>
+    <mc:Fallback xmlns="">
       <p:transition xmlns:p14="http://schemas.microsoft.com/office/powerpoint/2010/main" spd="med" advClick="0">
         <p:fade/>
       </p:transition>
@@ -30419,13 +30393,13 @@
   <p:clrMapOvr>
     <a:masterClrMapping/>
   </p:clrMapOvr>
-  <mc:AlternateContent xmlns:mc="http://schemas.openxmlformats.org/markup-compatibility/2006">
-    <mc:Choice xmlns:p14="http://schemas.microsoft.com/office/powerpoint/2010/main" Requires="p14">
+  <mc:AlternateContent xmlns:mc="http://schemas.openxmlformats.org/markup-compatibility/2006" xmlns:p14="http://schemas.microsoft.com/office/powerpoint/2010/main">
+    <mc:Choice Requires="p14">
       <p:transition spd="med" p14:dur="700" advClick="0">
         <p:fade/>
       </p:transition>
     </mc:Choice>
-    <mc:Fallback>
+    <mc:Fallback xmlns="">
       <p:transition xmlns:p14="http://schemas.microsoft.com/office/powerpoint/2010/main" spd="med" advClick="0">
         <p:fade/>
       </p:transition>
@@ -30503,13 +30477,7 @@
               <a:rPr lang="en-US" sz="4800" dirty="0" smtClean="0">
                 <a:latin typeface="Comic Sans MS" pitchFamily="66" charset="0"/>
               </a:rPr>
-              <a:t> </a:t>
-            </a:r>
-            <a:r>
-              <a:rPr lang="en-US" sz="4800" dirty="0" smtClean="0">
-                <a:latin typeface="Comic Sans MS" pitchFamily="66" charset="0"/>
-              </a:rPr>
-              <a:t>is an </a:t>
+              <a:t> is an </a:t>
             </a:r>
             <a:r>
               <a:rPr lang="en-US" sz="4800" dirty="0" smtClean="0">
@@ -30554,8 +30522,11 @@
                 </a:solidFill>
                 <a:latin typeface="Comic Sans MS" pitchFamily="66" charset="0"/>
               </a:rPr>
-              <a:t>when </a:t>
-            </a:r>
+              <a:t>when there is a positive </a:t>
+            </a:r>
+          </a:p>
+          <a:p>
+            <a:pPr marL="742950" indent="-285750"/>
             <a:r>
               <a:rPr lang="en-US" sz="4800" dirty="0" smtClean="0">
                 <a:solidFill>
@@ -30563,7 +30534,16 @@
                 </a:solidFill>
                 <a:latin typeface="Comic Sans MS" pitchFamily="66" charset="0"/>
               </a:rPr>
-              <a:t>there is </a:t>
+              <a:t>length path from </a:t>
+            </a:r>
+            <a:r>
+              <a:rPr lang="en-US" sz="4800" dirty="0" smtClean="0">
+                <a:solidFill>
+                  <a:srgbClr val="0000FF"/>
+                </a:solidFill>
+                <a:latin typeface="Comic Sans MS" pitchFamily="66" charset="0"/>
+              </a:rPr>
+              <a:t>u</a:t>
             </a:r>
             <a:r>
               <a:rPr lang="en-US" sz="4800" dirty="0" smtClean="0">
@@ -30572,37 +30552,7 @@
                 </a:solidFill>
                 <a:latin typeface="Comic Sans MS" pitchFamily="66" charset="0"/>
               </a:rPr>
-              <a:t>a positive </a:t>
-            </a:r>
-          </a:p>
-          <a:p>
-            <a:pPr marL="742950" indent="-285750"/>
-            <a:r>
-              <a:rPr lang="en-US" sz="4800" dirty="0" smtClean="0">
-                <a:solidFill>
-                  <a:srgbClr val="000000"/>
-                </a:solidFill>
-                <a:latin typeface="Comic Sans MS" pitchFamily="66" charset="0"/>
-              </a:rPr>
-              <a:t>length </a:t>
-            </a:r>
-            <a:r>
-              <a:rPr lang="en-US" sz="4800" dirty="0" smtClean="0">
-                <a:solidFill>
-                  <a:srgbClr val="000000"/>
-                </a:solidFill>
-                <a:latin typeface="Comic Sans MS" pitchFamily="66" charset="0"/>
-              </a:rPr>
-              <a:t>path </a:t>
-            </a:r>
-            <a:r>
-              <a:rPr lang="en-US" sz="4800" dirty="0" smtClean="0">
-                <a:solidFill>
-                  <a:srgbClr val="000000"/>
-                </a:solidFill>
-                <a:latin typeface="Comic Sans MS" pitchFamily="66" charset="0"/>
-              </a:rPr>
-              <a:t>from </a:t>
+              <a:t> to </a:t>
             </a:r>
             <a:r>
               <a:rPr lang="en-US" sz="4800" dirty="0" smtClean="0">
@@ -30611,25 +30561,22 @@
                 </a:solidFill>
                 <a:latin typeface="Comic Sans MS" pitchFamily="66" charset="0"/>
               </a:rPr>
-              <a:t>u</a:t>
+              <a:t>v </a:t>
             </a:r>
             <a:r>
               <a:rPr lang="en-US" sz="4800" dirty="0" smtClean="0">
-                <a:solidFill>
-                  <a:srgbClr val="000000"/>
-                </a:solidFill>
-                <a:latin typeface="Comic Sans MS" pitchFamily="66" charset="0"/>
-              </a:rPr>
-              <a:t> </a:t>
-            </a:r>
+                <a:latin typeface="Comic Sans MS" pitchFamily="66" charset="0"/>
+              </a:rPr>
+              <a:t>in </a:t>
+            </a:r>
+          </a:p>
+          <a:p>
+            <a:pPr marL="742950" indent="-285750"/>
             <a:r>
               <a:rPr lang="en-US" sz="4800" dirty="0" smtClean="0">
-                <a:solidFill>
-                  <a:srgbClr val="000000"/>
-                </a:solidFill>
-                <a:latin typeface="Comic Sans MS" pitchFamily="66" charset="0"/>
-              </a:rPr>
-              <a:t>to </a:t>
+                <a:latin typeface="Comic Sans MS" pitchFamily="66" charset="0"/>
+              </a:rPr>
+              <a:t>the prerequisite digraph </a:t>
             </a:r>
             <a:r>
               <a:rPr lang="en-US" sz="4800" dirty="0" smtClean="0">
@@ -30638,53 +30585,14 @@
                 </a:solidFill>
                 <a:latin typeface="Comic Sans MS" pitchFamily="66" charset="0"/>
               </a:rPr>
-              <a:t>v </a:t>
+              <a:t>R</a:t>
             </a:r>
             <a:r>
               <a:rPr lang="en-US" sz="4800" dirty="0" smtClean="0">
                 <a:latin typeface="Comic Sans MS" pitchFamily="66" charset="0"/>
               </a:rPr>
-              <a:t>in </a:t>
-            </a:r>
-          </a:p>
-          <a:p>
-            <a:pPr marL="742950" indent="-285750"/>
-            <a:r>
-              <a:rPr lang="en-US" sz="4800" dirty="0" smtClean="0">
-                <a:latin typeface="Comic Sans MS" pitchFamily="66" charset="0"/>
-              </a:rPr>
-              <a:t>the </a:t>
-            </a:r>
-            <a:r>
-              <a:rPr lang="en-US" sz="4800" dirty="0" smtClean="0">
-                <a:latin typeface="Comic Sans MS" pitchFamily="66" charset="0"/>
-              </a:rPr>
-              <a:t>prerequisite </a:t>
-            </a:r>
-            <a:r>
-              <a:rPr lang="en-US" sz="4800" dirty="0" smtClean="0">
-                <a:latin typeface="Comic Sans MS" pitchFamily="66" charset="0"/>
-              </a:rPr>
-              <a:t>digraph </a:t>
-            </a:r>
-            <a:r>
-              <a:rPr lang="en-US" sz="4800" dirty="0" smtClean="0">
-                <a:solidFill>
-                  <a:srgbClr val="0000FF"/>
-                </a:solidFill>
-                <a:latin typeface="Comic Sans MS" pitchFamily="66" charset="0"/>
-              </a:rPr>
-              <a:t>R</a:t>
-            </a:r>
-            <a:r>
-              <a:rPr lang="en-US" sz="4800" dirty="0" smtClean="0">
-                <a:latin typeface="Comic Sans MS" pitchFamily="66" charset="0"/>
-              </a:rPr>
               <a:t>:</a:t>
             </a:r>
-            <a:endParaRPr lang="en-US" sz="4800" dirty="0" smtClean="0">
-              <a:latin typeface="Comic Sans MS" pitchFamily="66" charset="0"/>
-            </a:endParaRPr>
           </a:p>
         </p:txBody>
       </p:sp>
@@ -30707,14 +30615,16 @@
           <a:ln/>
         </p:spPr>
         <p:txBody>
-          <a:bodyPr/>
+          <a:bodyPr>
+            <a:normAutofit/>
+          </a:bodyPr>
           <a:lstStyle/>
           <a:p>
             <a:r>
-              <a:rPr lang="en-US" dirty="0" smtClean="0"/>
+              <a:rPr lang="en-US" sz="4000" dirty="0" smtClean="0"/>
               <a:t>indirect prerequisites</a:t>
             </a:r>
-            <a:endParaRPr lang="en-US" dirty="0"/>
+            <a:endParaRPr lang="en-US" sz="4000" dirty="0"/>
           </a:p>
         </p:txBody>
       </p:sp>
@@ -30782,7 +30692,7 @@
           <a:graphicData uri="http://schemas.openxmlformats.org/presentationml/2006/ole">
             <mc:AlternateContent xmlns:mc="http://schemas.openxmlformats.org/markup-compatibility/2006">
               <mc:Choice xmlns:v="urn:schemas-microsoft-com:vml" Requires="v">
-                <p:oleObj spid="_x0000_s104451" name="Equation" r:id="rId4" imgW="419100" imgH="266700" progId="Equation.DSMT4">
+                <p:oleObj spid="_x0000_s104453" name="Equation" r:id="rId4" imgW="419100" imgH="266700" progId="Equation.DSMT4">
                   <p:embed/>
                 </p:oleObj>
               </mc:Choice>
@@ -30822,13 +30732,13 @@
   <p:clrMapOvr>
     <a:masterClrMapping/>
   </p:clrMapOvr>
-  <mc:AlternateContent xmlns:mc="http://schemas.openxmlformats.org/markup-compatibility/2006">
-    <mc:Choice xmlns:p14="http://schemas.microsoft.com/office/powerpoint/2010/main" Requires="p14">
+  <mc:AlternateContent xmlns:mc="http://schemas.openxmlformats.org/markup-compatibility/2006" xmlns:p14="http://schemas.microsoft.com/office/powerpoint/2010/main">
+    <mc:Choice Requires="p14">
       <p:transition spd="med" p14:dur="700" advClick="0">
         <p:fade/>
       </p:transition>
     </mc:Choice>
-    <mc:Fallback>
+    <mc:Fallback xmlns="">
       <p:transition xmlns:p14="http://schemas.microsoft.com/office/powerpoint/2010/main" spd="med" advClick="0">
         <p:fade/>
       </p:transition>
@@ -31258,15 +31168,17 @@
           <a:ln/>
         </p:spPr>
         <p:txBody>
-          <a:bodyPr/>
+          <a:bodyPr>
+            <a:normAutofit/>
+          </a:bodyPr>
           <a:lstStyle/>
           <a:p>
             <a:r>
-              <a:rPr lang="en-US" dirty="0" smtClean="0"/>
+              <a:rPr lang="en-US" sz="4800" dirty="0" smtClean="0"/>
               <a:t>a minim</a:t>
             </a:r>
             <a:r>
-              <a:rPr lang="en-US" dirty="0" smtClean="0">
+              <a:rPr lang="en-US" sz="4800" dirty="0" smtClean="0">
                 <a:solidFill>
                   <a:srgbClr val="FF00FF"/>
                 </a:solidFill>
@@ -31274,14 +31186,14 @@
               <a:t>al</a:t>
             </a:r>
             <a:r>
-              <a:rPr lang="en-US" i="1" dirty="0" smtClean="0"/>
+              <a:rPr lang="en-US" sz="4800" i="1" dirty="0" smtClean="0"/>
               <a:t> </a:t>
             </a:r>
             <a:r>
-              <a:rPr lang="en-US" dirty="0" smtClean="0"/>
-              <a:t>subject?</a:t>
-            </a:r>
-            <a:endParaRPr lang="en-US" dirty="0"/>
+              <a:rPr lang="en-US" sz="4800" dirty="0" smtClean="0"/>
+              <a:t>subject</a:t>
+            </a:r>
+            <a:endParaRPr lang="en-US" sz="4800" dirty="0"/>
           </a:p>
         </p:txBody>
       </p:sp>
@@ -32079,15 +31991,21 @@
           <a:ln/>
         </p:spPr>
         <p:txBody>
-          <a:bodyPr/>
+          <a:bodyPr>
+            <a:normAutofit/>
+          </a:bodyPr>
           <a:lstStyle/>
           <a:p>
             <a:r>
-              <a:rPr lang="en-US" dirty="0" smtClean="0"/>
-              <a:t>a minim</a:t>
-            </a:r>
-            <a:r>
-              <a:rPr lang="en-US" dirty="0" smtClean="0">
+              <a:rPr lang="en-US" sz="4400" dirty="0"/>
+              <a:t>(</a:t>
+            </a:r>
+            <a:r>
+              <a:rPr lang="en-US" sz="4400" dirty="0" smtClean="0"/>
+              <a:t>minim</a:t>
+            </a:r>
+            <a:r>
+              <a:rPr lang="en-US" sz="4400" dirty="0" smtClean="0">
                 <a:solidFill>
                   <a:srgbClr val="FF00FF"/>
                 </a:solidFill>
@@ -32095,10 +32013,18 @@
               <a:t>um</a:t>
             </a:r>
             <a:r>
-              <a:rPr lang="en-US" dirty="0" smtClean="0"/>
-              <a:t> subject?</a:t>
-            </a:r>
-            <a:endParaRPr lang="en-US" dirty="0"/>
+              <a:rPr lang="en-US" sz="4400" dirty="0" smtClean="0"/>
+              <a:t> </a:t>
+            </a:r>
+            <a:r>
+              <a:rPr lang="en-US" sz="4400" dirty="0" smtClean="0"/>
+              <a:t>subject</a:t>
+            </a:r>
+            <a:r>
+              <a:rPr lang="en-US" sz="4400" dirty="0" smtClean="0"/>
+              <a:t>?)</a:t>
+            </a:r>
+            <a:endParaRPr lang="en-US" sz="4400" dirty="0"/>
           </a:p>
         </p:txBody>
       </p:sp>
@@ -32149,13 +32075,13 @@
   <p:clrMapOvr>
     <a:masterClrMapping/>
   </p:clrMapOvr>
-  <mc:AlternateContent xmlns:mc="http://schemas.openxmlformats.org/markup-compatibility/2006">
-    <mc:Choice xmlns:p14="http://schemas.microsoft.com/office/powerpoint/2010/main" Requires="p14">
+  <mc:AlternateContent xmlns:mc="http://schemas.openxmlformats.org/markup-compatibility/2006" xmlns:p14="http://schemas.microsoft.com/office/powerpoint/2010/main">
+    <mc:Choice Requires="p14">
       <p:transition spd="med" p14:dur="600" advClick="0">
         <p:fade thruBlk="1"/>
       </p:transition>
     </mc:Choice>
-    <mc:Fallback>
+    <mc:Fallback xmlns="">
       <p:transition xmlns:p14="http://schemas.microsoft.com/office/powerpoint/2010/main" spd="med" advClick="0">
         <p:fade thruBlk="1"/>
       </p:transition>
@@ -32687,7 +32613,7 @@
           <a:graphicData uri="http://schemas.openxmlformats.org/presentationml/2006/ole">
             <mc:AlternateContent xmlns:mc="http://schemas.openxmlformats.org/markup-compatibility/2006">
               <mc:Choice xmlns:v="urn:schemas-microsoft-com:vml" Requires="v">
-                <p:oleObj spid="_x0000_s31835" name="Equation" r:id="rId4" imgW="1016000" imgH="304800" progId="Equation.3">
+                <p:oleObj spid="_x0000_s31838" name="Equation" r:id="rId4" imgW="1016000" imgH="304800" progId="Equation.3">
                   <p:embed/>
                 </p:oleObj>
               </mc:Choice>
@@ -32744,7 +32670,7 @@
           <a:graphicData uri="http://schemas.openxmlformats.org/presentationml/2006/ole">
             <mc:AlternateContent xmlns:mc="http://schemas.openxmlformats.org/markup-compatibility/2006">
               <mc:Choice xmlns:v="urn:schemas-microsoft-com:vml" Requires="v">
-                <p:oleObj spid="_x0000_s31836" name="Equation" r:id="rId6" imgW="1041400" imgH="292100" progId="Equation.DSMT4">
+                <p:oleObj spid="_x0000_s31839" name="Equation" r:id="rId6" imgW="1041400" imgH="292100" progId="Equation.DSMT4">
                   <p:embed/>
                 </p:oleObj>
               </mc:Choice>
@@ -34641,13 +34567,13 @@
   <p:clrMapOvr>
     <a:masterClrMapping/>
   </p:clrMapOvr>
-  <mc:AlternateContent xmlns:mc="http://schemas.openxmlformats.org/markup-compatibility/2006">
-    <mc:Choice xmlns:p14="http://schemas.microsoft.com/office/powerpoint/2010/main" Requires="p14">
+  <mc:AlternateContent xmlns:mc="http://schemas.openxmlformats.org/markup-compatibility/2006" xmlns:p14="http://schemas.microsoft.com/office/powerpoint/2010/main">
+    <mc:Choice Requires="p14">
       <p:transition spd="slow" p14:dur="800" advClick="0">
         <p:fade thruBlk="1"/>
       </p:transition>
     </mc:Choice>
-    <mc:Fallback>
+    <mc:Fallback xmlns="">
       <p:transition xmlns:p14="http://schemas.microsoft.com/office/powerpoint/2010/main" spd="slow" advClick="0">
         <p:fade thruBlk="1"/>
       </p:transition>
